--- a/misc/cei_hex.pptx
+++ b/misc/cei_hex.pptx
@@ -6,6 +6,7 @@
   </p:sldMasterIdLst>
   <p:sldIdLst>
     <p:sldId id="258" r:id="rId2"/>
+    <p:sldId id="259" r:id="rId3"/>
   </p:sldIdLst>
   <p:sldSz cx="12192000" cy="6858000"/>
   <p:notesSz cx="6858000" cy="9144000"/>
@@ -259,7 +260,7 @@
           <a:p>
             <a:fld id="{8AA7341E-E8D5-574D-9C77-42D65F8270B5}" type="datetimeFigureOut">
               <a:rPr lang="en-US" smtClean="0"/>
-              <a:t>6/13/20</a:t>
+              <a:t>11/10/20</a:t>
             </a:fld>
             <a:endParaRPr lang="en-US"/>
           </a:p>
@@ -457,7 +458,7 @@
           <a:p>
             <a:fld id="{8AA7341E-E8D5-574D-9C77-42D65F8270B5}" type="datetimeFigureOut">
               <a:rPr lang="en-US" smtClean="0"/>
-              <a:t>6/13/20</a:t>
+              <a:t>11/10/20</a:t>
             </a:fld>
             <a:endParaRPr lang="en-US"/>
           </a:p>
@@ -665,7 +666,7 @@
           <a:p>
             <a:fld id="{8AA7341E-E8D5-574D-9C77-42D65F8270B5}" type="datetimeFigureOut">
               <a:rPr lang="en-US" smtClean="0"/>
-              <a:t>6/13/20</a:t>
+              <a:t>11/10/20</a:t>
             </a:fld>
             <a:endParaRPr lang="en-US"/>
           </a:p>
@@ -863,7 +864,7 @@
           <a:p>
             <a:fld id="{8AA7341E-E8D5-574D-9C77-42D65F8270B5}" type="datetimeFigureOut">
               <a:rPr lang="en-US" smtClean="0"/>
-              <a:t>6/13/20</a:t>
+              <a:t>11/10/20</a:t>
             </a:fld>
             <a:endParaRPr lang="en-US"/>
           </a:p>
@@ -1138,7 +1139,7 @@
           <a:p>
             <a:fld id="{8AA7341E-E8D5-574D-9C77-42D65F8270B5}" type="datetimeFigureOut">
               <a:rPr lang="en-US" smtClean="0"/>
-              <a:t>6/13/20</a:t>
+              <a:t>11/10/20</a:t>
             </a:fld>
             <a:endParaRPr lang="en-US"/>
           </a:p>
@@ -1403,7 +1404,7 @@
           <a:p>
             <a:fld id="{8AA7341E-E8D5-574D-9C77-42D65F8270B5}" type="datetimeFigureOut">
               <a:rPr lang="en-US" smtClean="0"/>
-              <a:t>6/13/20</a:t>
+              <a:t>11/10/20</a:t>
             </a:fld>
             <a:endParaRPr lang="en-US"/>
           </a:p>
@@ -1815,7 +1816,7 @@
           <a:p>
             <a:fld id="{8AA7341E-E8D5-574D-9C77-42D65F8270B5}" type="datetimeFigureOut">
               <a:rPr lang="en-US" smtClean="0"/>
-              <a:t>6/13/20</a:t>
+              <a:t>11/10/20</a:t>
             </a:fld>
             <a:endParaRPr lang="en-US"/>
           </a:p>
@@ -1956,7 +1957,7 @@
           <a:p>
             <a:fld id="{8AA7341E-E8D5-574D-9C77-42D65F8270B5}" type="datetimeFigureOut">
               <a:rPr lang="en-US" smtClean="0"/>
-              <a:t>6/13/20</a:t>
+              <a:t>11/10/20</a:t>
             </a:fld>
             <a:endParaRPr lang="en-US"/>
           </a:p>
@@ -2069,7 +2070,7 @@
           <a:p>
             <a:fld id="{8AA7341E-E8D5-574D-9C77-42D65F8270B5}" type="datetimeFigureOut">
               <a:rPr lang="en-US" smtClean="0"/>
-              <a:t>6/13/20</a:t>
+              <a:t>11/10/20</a:t>
             </a:fld>
             <a:endParaRPr lang="en-US"/>
           </a:p>
@@ -2380,7 +2381,7 @@
           <a:p>
             <a:fld id="{8AA7341E-E8D5-574D-9C77-42D65F8270B5}" type="datetimeFigureOut">
               <a:rPr lang="en-US" smtClean="0"/>
-              <a:t>6/13/20</a:t>
+              <a:t>11/10/20</a:t>
             </a:fld>
             <a:endParaRPr lang="en-US"/>
           </a:p>
@@ -2668,7 +2669,7 @@
           <a:p>
             <a:fld id="{8AA7341E-E8D5-574D-9C77-42D65F8270B5}" type="datetimeFigureOut">
               <a:rPr lang="en-US" smtClean="0"/>
-              <a:t>6/13/20</a:t>
+              <a:t>11/10/20</a:t>
             </a:fld>
             <a:endParaRPr lang="en-US"/>
           </a:p>
@@ -2909,7 +2910,7 @@
           <a:p>
             <a:fld id="{8AA7341E-E8D5-574D-9C77-42D65F8270B5}" type="datetimeFigureOut">
               <a:rPr lang="en-US" smtClean="0"/>
-              <a:t>6/13/20</a:t>
+              <a:t>11/10/20</a:t>
             </a:fld>
             <a:endParaRPr lang="en-US"/>
           </a:p>
@@ -4264,6 +4265,247 @@
 </p:sld>
 </file>
 
+<file path=ppt/slides/slide2.xml><?xml version="1.0" encoding="utf-8"?>
+<p:sld xmlns:a="http://schemas.openxmlformats.org/drawingml/2006/main" xmlns:r="http://schemas.openxmlformats.org/officeDocument/2006/relationships" xmlns:p="http://schemas.openxmlformats.org/presentationml/2006/main">
+  <p:cSld>
+    <p:spTree>
+      <p:nvGrpSpPr>
+        <p:cNvPr id="1" name=""/>
+        <p:cNvGrpSpPr/>
+        <p:nvPr/>
+      </p:nvGrpSpPr>
+      <p:grpSpPr>
+        <a:xfrm>
+          <a:off x="0" y="0"/>
+          <a:ext cx="0" cy="0"/>
+          <a:chOff x="0" y="0"/>
+          <a:chExt cx="0" cy="0"/>
+        </a:xfrm>
+      </p:grpSpPr>
+      <p:grpSp>
+        <p:nvGrpSpPr>
+          <p:cNvPr id="9" name="Group 8">
+            <a:extLst>
+              <a:ext uri="{FF2B5EF4-FFF2-40B4-BE49-F238E27FC236}">
+                <a16:creationId xmlns:a16="http://schemas.microsoft.com/office/drawing/2014/main" id="{A02D59EC-0B5C-904E-8476-14FEE7382C4A}"/>
+              </a:ext>
+            </a:extLst>
+          </p:cNvPr>
+          <p:cNvGrpSpPr/>
+          <p:nvPr/>
+        </p:nvGrpSpPr>
+        <p:grpSpPr>
+          <a:xfrm>
+            <a:off x="3374400" y="2624566"/>
+            <a:ext cx="2721600" cy="2369033"/>
+            <a:chOff x="3374400" y="2624566"/>
+            <a:chExt cx="2721600" cy="2369033"/>
+          </a:xfrm>
+        </p:grpSpPr>
+        <p:grpSp>
+          <p:nvGrpSpPr>
+            <p:cNvPr id="40" name="Group 39">
+              <a:extLst>
+                <a:ext uri="{FF2B5EF4-FFF2-40B4-BE49-F238E27FC236}">
+                  <a16:creationId xmlns:a16="http://schemas.microsoft.com/office/drawing/2014/main" id="{CA4091AF-B6C2-304B-AAA9-967D42EEE04B}"/>
+                </a:ext>
+              </a:extLst>
+            </p:cNvPr>
+            <p:cNvGrpSpPr/>
+            <p:nvPr/>
+          </p:nvGrpSpPr>
+          <p:grpSpPr>
+            <a:xfrm>
+              <a:off x="3374400" y="2624566"/>
+              <a:ext cx="2721600" cy="2369033"/>
+              <a:chOff x="4730817" y="1018831"/>
+              <a:chExt cx="2721600" cy="2369033"/>
+            </a:xfrm>
+            <a:solidFill>
+              <a:srgbClr val="263691"/>
+            </a:solidFill>
+          </p:grpSpPr>
+          <p:sp>
+            <p:nvSpPr>
+              <p:cNvPr id="42" name="Hexagon 41">
+                <a:extLst>
+                  <a:ext uri="{FF2B5EF4-FFF2-40B4-BE49-F238E27FC236}">
+                    <a16:creationId xmlns:a16="http://schemas.microsoft.com/office/drawing/2014/main" id="{C965AEFB-AD43-664A-9463-236B32A365D9}"/>
+                  </a:ext>
+                </a:extLst>
+              </p:cNvPr>
+              <p:cNvSpPr>
+                <a:spLocks noChangeAspect="1"/>
+              </p:cNvSpPr>
+              <p:nvPr/>
+            </p:nvSpPr>
+            <p:spPr>
+              <a:xfrm rot="1800000">
+                <a:off x="4730817" y="1018831"/>
+                <a:ext cx="2721600" cy="2369033"/>
+              </a:xfrm>
+              <a:prstGeom prst="hexagon">
+                <a:avLst>
+                  <a:gd name="adj" fmla="val 28372"/>
+                  <a:gd name="vf" fmla="val 115470"/>
+                </a:avLst>
+              </a:prstGeom>
+              <a:grpFill/>
+              <a:ln w="69850">
+                <a:solidFill>
+                  <a:srgbClr val="263691"/>
+                </a:solidFill>
+              </a:ln>
+            </p:spPr>
+            <p:style>
+              <a:lnRef idx="2">
+                <a:schemeClr val="accent1">
+                  <a:shade val="50000"/>
+                </a:schemeClr>
+              </a:lnRef>
+              <a:fillRef idx="1">
+                <a:schemeClr val="accent1"/>
+              </a:fillRef>
+              <a:effectRef idx="0">
+                <a:schemeClr val="accent1"/>
+              </a:effectRef>
+              <a:fontRef idx="minor">
+                <a:schemeClr val="lt1"/>
+              </a:fontRef>
+            </p:style>
+            <p:txBody>
+              <a:bodyPr rtlCol="0" anchor="ctr"/>
+              <a:lstStyle/>
+              <a:p>
+                <a:pPr algn="ctr"/>
+                <a:endParaRPr lang="en-US" dirty="0"/>
+              </a:p>
+            </p:txBody>
+          </p:sp>
+          <p:sp>
+            <p:nvSpPr>
+              <p:cNvPr id="43" name="TextBox 42">
+                <a:extLst>
+                  <a:ext uri="{FF2B5EF4-FFF2-40B4-BE49-F238E27FC236}">
+                    <a16:creationId xmlns:a16="http://schemas.microsoft.com/office/drawing/2014/main" id="{66893D72-5760-634E-8DE2-C3C801E3190E}"/>
+                  </a:ext>
+                </a:extLst>
+              </p:cNvPr>
+              <p:cNvSpPr txBox="1"/>
+              <p:nvPr/>
+            </p:nvSpPr>
+            <p:spPr>
+              <a:xfrm>
+                <a:off x="5256823" y="1407861"/>
+                <a:ext cx="1632420" cy="523220"/>
+              </a:xfrm>
+              <a:prstGeom prst="rect">
+                <a:avLst/>
+              </a:prstGeom>
+              <a:grpFill/>
+              <a:ln>
+                <a:solidFill>
+                  <a:srgbClr val="263691"/>
+                </a:solidFill>
+              </a:ln>
+            </p:spPr>
+            <p:txBody>
+              <a:bodyPr wrap="square" rtlCol="0">
+                <a:spAutoFit/>
+              </a:bodyPr>
+              <a:lstStyle/>
+              <a:p>
+                <a:pPr algn="ctr"/>
+                <a:r>
+                  <a:rPr lang="en-US" sz="2800" b="1" dirty="0">
+                    <a:solidFill>
+                      <a:schemeClr val="bg1"/>
+                    </a:solidFill>
+                    <a:latin typeface="Arial" panose="020B0604020202020204" pitchFamily="34" charset="0"/>
+                    <a:cs typeface="Arial" panose="020B0604020202020204" pitchFamily="34" charset="0"/>
+                  </a:rPr>
+                  <a:t>step</a:t>
+                </a:r>
+              </a:p>
+            </p:txBody>
+          </p:sp>
+        </p:grpSp>
+        <p:pic>
+          <p:nvPicPr>
+            <p:cNvPr id="3" name="Picture 2" descr="Icon&#10;&#10;Description automatically generated">
+              <a:extLst>
+                <a:ext uri="{FF2B5EF4-FFF2-40B4-BE49-F238E27FC236}">
+                  <a16:creationId xmlns:a16="http://schemas.microsoft.com/office/drawing/2014/main" id="{F12AE0F3-DF51-8640-B841-FA07EA3F9C10}"/>
+                </a:ext>
+              </a:extLst>
+            </p:cNvPr>
+            <p:cNvPicPr>
+              <a:picLocks noChangeAspect="1"/>
+            </p:cNvPicPr>
+            <p:nvPr/>
+          </p:nvPicPr>
+          <p:blipFill>
+            <a:blip r:embed="rId2"/>
+            <a:stretch>
+              <a:fillRect/>
+            </a:stretch>
+          </p:blipFill>
+          <p:spPr>
+            <a:xfrm>
+              <a:off x="4116894" y="3572256"/>
+              <a:ext cx="1201172" cy="1201172"/>
+            </a:xfrm>
+            <a:prstGeom prst="rect">
+              <a:avLst/>
+            </a:prstGeom>
+          </p:spPr>
+        </p:pic>
+        <p:pic>
+          <p:nvPicPr>
+            <p:cNvPr id="8" name="Picture 7" descr="Icon&#10;&#10;Description automatically generated">
+              <a:extLst>
+                <a:ext uri="{FF2B5EF4-FFF2-40B4-BE49-F238E27FC236}">
+                  <a16:creationId xmlns:a16="http://schemas.microsoft.com/office/drawing/2014/main" id="{F8463308-3315-0445-A3EF-8FF8FC75153F}"/>
+                </a:ext>
+              </a:extLst>
+            </p:cNvPr>
+            <p:cNvPicPr>
+              <a:picLocks noChangeAspect="1"/>
+            </p:cNvPicPr>
+            <p:nvPr/>
+          </p:nvPicPr>
+          <p:blipFill>
+            <a:blip r:embed="rId3">
+              <a:alphaModFix amt="20000"/>
+            </a:blip>
+            <a:stretch>
+              <a:fillRect/>
+            </a:stretch>
+          </p:blipFill>
+          <p:spPr>
+            <a:xfrm>
+              <a:off x="3764116" y="2856582"/>
+              <a:ext cx="1905000" cy="1905000"/>
+            </a:xfrm>
+            <a:prstGeom prst="rect">
+              <a:avLst/>
+            </a:prstGeom>
+          </p:spPr>
+        </p:pic>
+      </p:grpSp>
+    </p:spTree>
+    <p:extLst>
+      <p:ext uri="{BB962C8B-B14F-4D97-AF65-F5344CB8AC3E}">
+        <p14:creationId xmlns:p14="http://schemas.microsoft.com/office/powerpoint/2010/main" val="2896632024"/>
+      </p:ext>
+    </p:extLst>
+  </p:cSld>
+  <p:clrMapOvr>
+    <a:masterClrMapping/>
+  </p:clrMapOvr>
+</p:sld>
+</file>
+
 <file path=ppt/theme/theme1.xml><?xml version="1.0" encoding="utf-8"?>
 <a:theme xmlns:a="http://schemas.openxmlformats.org/drawingml/2006/main" name="Office Theme">
   <a:themeElements>
